--- a/ДОКУМЕНТЫ/МАТЕРИАЛ СТАТЬИ/Введение_в_SHIWA_Time.pptx
+++ b/ДОКУМЕНТЫ/МАТЕРИАЛ СТАТЬИ/Введение_в_SHIWA_Time.pptx
@@ -4895,7 +4895,7 @@
         </p:nvSpPr>
         <p:spPr>
           <a:xfrm>
-            <a:off x="24369" y="4325540"/>
+            <a:off x="24369" y="4218076"/>
             <a:ext cx="4179094" cy="1443038"/>
           </a:xfrm>
           <a:prstGeom prst="rect">
@@ -4917,7 +4917,7 @@
         </p:nvSpPr>
         <p:spPr>
           <a:xfrm>
-            <a:off x="392906" y="4450556"/>
+            <a:off x="392906" y="4285473"/>
             <a:ext cx="3964781" cy="200025"/>
           </a:xfrm>
           <a:prstGeom prst="rect">
@@ -4958,7 +4958,7 @@
         </p:nvSpPr>
         <p:spPr>
           <a:xfrm>
-            <a:off x="392906" y="4735255"/>
+            <a:off x="392906" y="4550003"/>
             <a:ext cx="2040623" cy="144976"/>
           </a:xfrm>
           <a:prstGeom prst="rect">
@@ -4996,7 +4996,48 @@
                 <a:ea typeface="Noto Sans" pitchFamily="34" charset="-122"/>
                 <a:cs typeface="Noto Sans" pitchFamily="34" charset="-120"/>
               </a:rPr>
-              <a:t>: QUANTUM-</a:t>
+              <a:t>: QUANTUM-Grandmaster</a:t>
+            </a:r>
+            <a:endParaRPr lang="en-US" sz="942" dirty="0"/>
+          </a:p>
+        </p:txBody>
+      </p:sp>
+      <p:sp>
+        <p:nvSpPr>
+          <p:cNvPr id="19" name="Text 16"/>
+          <p:cNvSpPr/>
+          <p:nvPr/>
+        </p:nvSpPr>
+        <p:spPr>
+          <a:xfrm>
+            <a:off x="392906" y="4807743"/>
+            <a:ext cx="1138132" cy="144976"/>
+          </a:xfrm>
+          <a:prstGeom prst="rect">
+            <a:avLst/>
+          </a:prstGeom>
+          <a:noFill/>
+          <a:ln/>
+        </p:spPr>
+        <p:txBody>
+          <a:bodyPr wrap="none" lIns="0" tIns="0" rIns="0" bIns="0" rtlCol="0" anchor="ctr">
+            <a:spAutoFit/>
+          </a:bodyPr>
+          <a:lstStyle/>
+          <a:p>
+            <a:pPr marL="0" indent="0" algn="l">
+              <a:buNone/>
+            </a:pPr>
+            <a:r>
+              <a:rPr lang="en-US" sz="942" dirty="0">
+                <a:solidFill>
+                  <a:srgbClr val="E5E7EB"/>
+                </a:solidFill>
+                <a:latin typeface="Noto Sans" pitchFamily="34" charset="0"/>
+                <a:ea typeface="Noto Sans" pitchFamily="34" charset="-122"/>
+                <a:cs typeface="Noto Sans" pitchFamily="34" charset="-120"/>
+              </a:rPr>
+              <a:t>Клиент: </a:t>
             </a:r>
             <a:r>
               <a:rPr lang="en-US" sz="942" dirty="0" err="1">
@@ -5007,7 +5048,18 @@
                 <a:ea typeface="Noto Sans" pitchFamily="34" charset="-122"/>
                 <a:cs typeface="Noto Sans" pitchFamily="34" charset="-120"/>
               </a:rPr>
-              <a:t>Crandmaster</a:t>
+              <a:t>Shiwa</a:t>
+            </a:r>
+            <a:r>
+              <a:rPr lang="en-US" sz="942" dirty="0">
+                <a:solidFill>
+                  <a:srgbClr val="E5E7EB"/>
+                </a:solidFill>
+                <a:latin typeface="Noto Sans" pitchFamily="34" charset="0"/>
+                <a:ea typeface="Noto Sans" pitchFamily="34" charset="-122"/>
+                <a:cs typeface="Noto Sans" pitchFamily="34" charset="-120"/>
+              </a:rPr>
+              <a:t> Time</a:t>
             </a:r>
             <a:endParaRPr lang="en-US" sz="942" dirty="0"/>
           </a:p>
@@ -5015,14 +5067,14 @@
       </p:sp>
       <p:sp>
         <p:nvSpPr>
-          <p:cNvPr id="19" name="Text 16"/>
-          <p:cNvSpPr/>
-          <p:nvPr/>
-        </p:nvSpPr>
-        <p:spPr>
-          <a:xfrm>
-            <a:off x="392906" y="4992430"/>
-            <a:ext cx="1138132" cy="144976"/>
+          <p:cNvPr id="20" name="Text 17"/>
+          <p:cNvSpPr/>
+          <p:nvPr/>
+        </p:nvSpPr>
+        <p:spPr>
+          <a:xfrm>
+            <a:off x="381557" y="5072063"/>
+            <a:ext cx="3964781" cy="200025"/>
           </a:xfrm>
           <a:prstGeom prst="rect">
             <a:avLst/>
@@ -5048,29 +5100,7 @@
                 <a:ea typeface="Noto Sans" pitchFamily="34" charset="-122"/>
                 <a:cs typeface="Noto Sans" pitchFamily="34" charset="-120"/>
               </a:rPr>
-              <a:t>Клиент: </a:t>
-            </a:r>
-            <a:r>
-              <a:rPr lang="en-US" sz="942" dirty="0" err="1">
-                <a:solidFill>
-                  <a:srgbClr val="E5E7EB"/>
-                </a:solidFill>
-                <a:latin typeface="Noto Sans" pitchFamily="34" charset="0"/>
-                <a:ea typeface="Noto Sans" pitchFamily="34" charset="-122"/>
-                <a:cs typeface="Noto Sans" pitchFamily="34" charset="-120"/>
-              </a:rPr>
-              <a:t>Shiwa</a:t>
-            </a:r>
-            <a:r>
-              <a:rPr lang="en-US" sz="942" dirty="0">
-                <a:solidFill>
-                  <a:srgbClr val="E5E7EB"/>
-                </a:solidFill>
-                <a:latin typeface="Noto Sans" pitchFamily="34" charset="0"/>
-                <a:ea typeface="Noto Sans" pitchFamily="34" charset="-122"/>
-                <a:cs typeface="Noto Sans" pitchFamily="34" charset="-120"/>
-              </a:rPr>
-              <a:t> Time</a:t>
+              <a:t>Сетевые карты: NVIDIA ConnectX-6, Solarflare X2522-25G</a:t>
             </a:r>
             <a:endParaRPr lang="en-US" sz="942" dirty="0"/>
           </a:p>
@@ -5078,54 +5108,13 @@
       </p:sp>
       <p:sp>
         <p:nvSpPr>
-          <p:cNvPr id="20" name="Text 17"/>
-          <p:cNvSpPr/>
-          <p:nvPr/>
-        </p:nvSpPr>
-        <p:spPr>
-          <a:xfrm>
-            <a:off x="392906" y="5222081"/>
-            <a:ext cx="3964781" cy="200025"/>
-          </a:xfrm>
-          <a:prstGeom prst="rect">
-            <a:avLst/>
-          </a:prstGeom>
-          <a:noFill/>
-          <a:ln/>
-        </p:spPr>
-        <p:txBody>
-          <a:bodyPr wrap="none" lIns="0" tIns="0" rIns="0" bIns="0" rtlCol="0" anchor="ctr">
-            <a:spAutoFit/>
-          </a:bodyPr>
-          <a:lstStyle/>
-          <a:p>
-            <a:pPr marL="0" indent="0" algn="l">
-              <a:buNone/>
-            </a:pPr>
-            <a:r>
-              <a:rPr lang="en-US" sz="942" dirty="0">
-                <a:solidFill>
-                  <a:srgbClr val="E5E7EB"/>
-                </a:solidFill>
-                <a:latin typeface="Noto Sans" pitchFamily="34" charset="0"/>
-                <a:ea typeface="Noto Sans" pitchFamily="34" charset="-122"/>
-                <a:cs typeface="Noto Sans" pitchFamily="34" charset="-120"/>
-              </a:rPr>
-              <a:t>Сетевые карты: NVIDIA ConnectX-6, Solarflare X2522-25G</a:t>
-            </a:r>
-            <a:endParaRPr lang="en-US" sz="942" dirty="0"/>
-          </a:p>
-        </p:txBody>
-      </p:sp>
-      <p:sp>
-        <p:nvSpPr>
           <p:cNvPr id="21" name="Text 18"/>
           <p:cNvSpPr/>
           <p:nvPr/>
         </p:nvSpPr>
         <p:spPr>
           <a:xfrm>
-            <a:off x="392906" y="5479256"/>
+            <a:off x="381556" y="5357813"/>
             <a:ext cx="3964781" cy="200025"/>
           </a:xfrm>
           <a:prstGeom prst="rect">
